--- a/robot_sensor (1).pptx
+++ b/robot_sensor (1).pptx
@@ -3986,8 +3986,10 @@
           </a:lstStyle>
           <a:p>
             <a:r>
-              <a:t>Tactile sensor</a:t>
+              <a:rPr lang="en-US" sz="2500" dirty="0"/>
+              <a:t>Controller</a:t>
             </a:r>
+            <a:endParaRPr sz="2500" dirty="0"/>
           </a:p>
         </p:txBody>
       </p:sp>
@@ -4018,7 +4020,7 @@
           <a:bodyPr lIns="50800" tIns="50800" rIns="50800" bIns="50800" anchor="ctr"/>
           <a:lstStyle/>
           <a:p>
-            <a:endParaRPr/>
+            <a:endParaRPr sz="2500"/>
           </a:p>
         </p:txBody>
       </p:sp>
@@ -4065,7 +4067,7 @@
                 <a:sym typeface="Helvetica Neue Medium"/>
               </a:defRPr>
             </a:pPr>
-            <a:endParaRPr/>
+            <a:endParaRPr sz="2500"/>
           </a:p>
         </p:txBody>
       </p:sp>
@@ -4120,10 +4122,10 @@
           </a:lstStyle>
           <a:p>
             <a:r>
-              <a:rPr lang="en-US" dirty="0"/>
+              <a:rPr lang="en-US" sz="2500" dirty="0"/>
               <a:t>Smooth signal</a:t>
             </a:r>
-            <a:endParaRPr dirty="0"/>
+            <a:endParaRPr sz="2500" dirty="0"/>
           </a:p>
         </p:txBody>
       </p:sp>
@@ -4178,10 +4180,10 @@
           </a:lstStyle>
           <a:p>
             <a:r>
-              <a:rPr lang="en-US" sz="3000" dirty="0"/>
-              <a:t>Window result</a:t>
+              <a:rPr lang="en-US" dirty="0"/>
+              <a:t>Frequency selection</a:t>
             </a:r>
-            <a:endParaRPr sz="3000" dirty="0"/>
+            <a:endParaRPr dirty="0"/>
           </a:p>
         </p:txBody>
       </p:sp>
@@ -4236,10 +4238,10 @@
           </a:lstStyle>
           <a:p>
             <a:r>
-              <a:rPr lang="en-US" dirty="0"/>
+              <a:rPr lang="en-US" sz="2500" dirty="0"/>
               <a:t>Load model</a:t>
             </a:r>
-            <a:endParaRPr dirty="0"/>
+            <a:endParaRPr sz="2500" dirty="0"/>
           </a:p>
         </p:txBody>
       </p:sp>
@@ -4470,7 +4472,7 @@
           <a:bodyPr lIns="50800" tIns="50800" rIns="50800" bIns="50800" anchor="ctr"/>
           <a:lstStyle/>
           <a:p>
-            <a:endParaRPr/>
+            <a:endParaRPr sz="2500"/>
           </a:p>
         </p:txBody>
       </p:sp>
@@ -4490,7 +4492,7 @@
         </p:blipFill>
         <p:spPr>
           <a:xfrm>
-            <a:off x="15787858" y="9429789"/>
+            <a:off x="15574876" y="10560089"/>
             <a:ext cx="8596142" cy="4687930"/>
           </a:xfrm>
           <a:prstGeom prst="rect">
@@ -4527,7 +4529,7 @@
           <a:bodyPr lIns="50800" tIns="50800" rIns="50800" bIns="50800" anchor="ctr"/>
           <a:lstStyle/>
           <a:p>
-            <a:endParaRPr/>
+            <a:endParaRPr sz="2500"/>
           </a:p>
         </p:txBody>
       </p:sp>
@@ -4582,6 +4584,7 @@
           </a:lstStyle>
           <a:p>
             <a:r>
+              <a:rPr sz="2500"/>
               <a:t>Signal generation</a:t>
             </a:r>
           </a:p>
@@ -4613,7 +4616,7 @@
           <a:bodyPr lIns="50800" tIns="50800" rIns="50800" bIns="50800" anchor="ctr"/>
           <a:lstStyle/>
           <a:p>
-            <a:endParaRPr/>
+            <a:endParaRPr sz="2500"/>
           </a:p>
         </p:txBody>
       </p:sp>
@@ -4668,10 +4671,10 @@
           </a:lstStyle>
           <a:p>
             <a:r>
-              <a:rPr lang="en-US" dirty="0"/>
+              <a:rPr lang="en-US" sz="2500" dirty="0"/>
               <a:t>Buffer</a:t>
             </a:r>
-            <a:endParaRPr dirty="0"/>
+            <a:endParaRPr sz="2500" dirty="0"/>
           </a:p>
         </p:txBody>
       </p:sp>
@@ -4701,7 +4704,7 @@
           <a:bodyPr lIns="50800" tIns="50800" rIns="50800" bIns="50800" anchor="ctr"/>
           <a:lstStyle/>
           <a:p>
-            <a:endParaRPr/>
+            <a:endParaRPr sz="2500"/>
           </a:p>
         </p:txBody>
       </p:sp>
@@ -4749,7 +4752,7 @@
                 <a:sym typeface="Helvetica Neue Medium"/>
               </a:defRPr>
             </a:pPr>
-            <a:endParaRPr/>
+            <a:endParaRPr sz="2500"/>
           </a:p>
         </p:txBody>
       </p:sp>
@@ -4761,8 +4764,8 @@
         </p:nvSpPr>
         <p:spPr>
           <a:xfrm>
-            <a:off x="5908919" y="8869339"/>
-            <a:ext cx="3352039" cy="560450"/>
+            <a:off x="5908919" y="8925143"/>
+            <a:ext cx="2862963" cy="448841"/>
           </a:xfrm>
           <a:prstGeom prst="rect">
             <a:avLst/>
@@ -4787,6 +4790,7 @@
           </a:lstStyle>
           <a:p>
             <a:r>
+              <a:rPr sz="2500"/>
               <a:t>Signal processing</a:t>
             </a:r>
           </a:p>
@@ -4800,8 +4804,8 @@
         </p:nvSpPr>
         <p:spPr>
           <a:xfrm>
-            <a:off x="10754202" y="8869339"/>
-            <a:ext cx="3245740" cy="560450"/>
+            <a:off x="10754202" y="8925143"/>
+            <a:ext cx="2721899" cy="448841"/>
           </a:xfrm>
           <a:prstGeom prst="rect">
             <a:avLst/>
@@ -4826,6 +4830,7 @@
           </a:lstStyle>
           <a:p>
             <a:r>
+              <a:rPr sz="2500"/>
               <a:t>Machine learning</a:t>
             </a:r>
           </a:p>
@@ -4875,7 +4880,7 @@
                 <a:sym typeface="Helvetica Neue Medium"/>
               </a:defRPr>
             </a:pPr>
-            <a:endParaRPr/>
+            <a:endParaRPr sz="2500"/>
           </a:p>
         </p:txBody>
       </p:sp>
@@ -4911,7 +4916,7 @@
           <a:bodyPr lIns="50800" tIns="50800" rIns="50800" bIns="50800" anchor="ctr"/>
           <a:lstStyle/>
           <a:p>
-            <a:endParaRPr/>
+            <a:endParaRPr sz="2500"/>
           </a:p>
         </p:txBody>
       </p:sp>
@@ -4947,7 +4952,7 @@
           <a:bodyPr lIns="50800" tIns="50800" rIns="50800" bIns="50800" anchor="ctr"/>
           <a:lstStyle/>
           <a:p>
-            <a:endParaRPr/>
+            <a:endParaRPr sz="2500"/>
           </a:p>
         </p:txBody>
       </p:sp>
@@ -4983,7 +4988,7 @@
           <a:bodyPr lIns="50800" tIns="50800" rIns="50800" bIns="50800" anchor="ctr"/>
           <a:lstStyle/>
           <a:p>
-            <a:endParaRPr/>
+            <a:endParaRPr sz="2500"/>
           </a:p>
         </p:txBody>
       </p:sp>
@@ -5019,7 +5024,7 @@
           <a:bodyPr lIns="50800" tIns="50800" rIns="50800" bIns="50800" anchor="ctr"/>
           <a:lstStyle/>
           <a:p>
-            <a:endParaRPr/>
+            <a:endParaRPr sz="2500"/>
           </a:p>
         </p:txBody>
       </p:sp>
@@ -5429,7 +5434,7 @@
           <a:bodyPr lIns="50800" tIns="50800" rIns="50800" bIns="50800" anchor="ctr"/>
           <a:lstStyle/>
           <a:p>
-            <a:endParaRPr/>
+            <a:endParaRPr sz="2500"/>
           </a:p>
         </p:txBody>
       </p:sp>
@@ -5465,7 +5470,7 @@
           <a:bodyPr lIns="50800" tIns="50800" rIns="50800" bIns="50800" anchor="ctr"/>
           <a:lstStyle/>
           <a:p>
-            <a:endParaRPr/>
+            <a:endParaRPr sz="2500"/>
           </a:p>
         </p:txBody>
       </p:sp>
@@ -5618,10 +5623,10 @@
           </a:lstStyle>
           <a:p>
             <a:r>
-              <a:rPr lang="en-US" dirty="0"/>
+              <a:rPr lang="en-US" sz="2500" dirty="0"/>
               <a:t>Transmit prediction</a:t>
             </a:r>
-            <a:endParaRPr dirty="0"/>
+            <a:endParaRPr sz="2500" dirty="0"/>
           </a:p>
         </p:txBody>
       </p:sp>
@@ -5756,10 +5761,10 @@
           </a:lstStyle>
           <a:p>
             <a:r>
-              <a:rPr lang="en-US" dirty="0"/>
+              <a:rPr lang="en-US" sz="2500" dirty="0"/>
               <a:t>Simulate keypress</a:t>
             </a:r>
-            <a:endParaRPr dirty="0"/>
+            <a:endParaRPr sz="2500" dirty="0"/>
           </a:p>
         </p:txBody>
       </p:sp>
@@ -5795,7 +5800,7 @@
           <a:bodyPr lIns="50800" tIns="50800" rIns="50800" bIns="50800" anchor="ctr"/>
           <a:lstStyle/>
           <a:p>
-            <a:endParaRPr/>
+            <a:endParaRPr sz="2500"/>
           </a:p>
         </p:txBody>
       </p:sp>
@@ -5831,7 +5836,7 @@
           <a:bodyPr lIns="50800" tIns="50800" rIns="50800" bIns="50800" anchor="ctr"/>
           <a:lstStyle/>
           <a:p>
-            <a:endParaRPr/>
+            <a:endParaRPr sz="2500"/>
           </a:p>
         </p:txBody>
       </p:sp>
@@ -5849,8 +5854,8 @@
         </p:nvSpPr>
         <p:spPr>
           <a:xfrm>
-            <a:off x="15493186" y="8890518"/>
-            <a:ext cx="2620910" cy="518091"/>
+            <a:off x="15416997" y="8907971"/>
+            <a:ext cx="2204130" cy="448841"/>
           </a:xfrm>
           <a:prstGeom prst="rect">
             <a:avLst/>
@@ -5875,10 +5880,10 @@
           </a:lstStyle>
           <a:p>
             <a:r>
-              <a:rPr lang="en-US" dirty="0"/>
+              <a:rPr lang="en-US" sz="2500" dirty="0"/>
               <a:t>Socket server</a:t>
             </a:r>
-            <a:endParaRPr dirty="0"/>
+            <a:endParaRPr sz="2500" dirty="0"/>
           </a:p>
         </p:txBody>
       </p:sp>
@@ -5896,7 +5901,7 @@
         </p:nvSpPr>
         <p:spPr>
           <a:xfrm>
-            <a:off x="14420256" y="8958865"/>
+            <a:off x="14344067" y="8941693"/>
             <a:ext cx="984925" cy="381398"/>
           </a:xfrm>
           <a:prstGeom prst="roundRect">
@@ -5937,7 +5942,7 @@
                 <a:sym typeface="Helvetica Neue Medium"/>
               </a:defRPr>
             </a:pPr>
-            <a:endParaRPr/>
+            <a:endParaRPr sz="2500"/>
           </a:p>
         </p:txBody>
       </p:sp>

--- a/robot_sensor (1).pptx
+++ b/robot_sensor (1).pptx
@@ -3041,7 +3041,7 @@
           </a:ln>
           <a:extLst>
             <a:ext uri="{C572A759-6A51-4108-AA02-DFA0A04FC94B}">
-              <ma14:wrappingTextBoxFlag xmlns="" xmlns:m="http://schemas.openxmlformats.org/officeDocument/2006/math" xmlns:a14="http://schemas.microsoft.com/office/drawing/2010/main" xmlns:ma14="http://schemas.microsoft.com/office/mac/drawingml/2011/main" val="1"/>
+              <ma14:wrappingTextBoxFlag xmlns:ma14="http://schemas.microsoft.com/office/mac/drawingml/2011/main" xmlns:a14="http://schemas.microsoft.com/office/drawing/2010/main" xmlns:m="http://schemas.openxmlformats.org/officeDocument/2006/math" xmlns="" val="1"/>
             </a:ext>
           </a:extLst>
         </p:spPr>
@@ -3080,7 +3080,7 @@
           </a:ln>
           <a:extLst>
             <a:ext uri="{C572A759-6A51-4108-AA02-DFA0A04FC94B}">
-              <ma14:wrappingTextBoxFlag xmlns="" xmlns:m="http://schemas.openxmlformats.org/officeDocument/2006/math" xmlns:a14="http://schemas.microsoft.com/office/drawing/2010/main" xmlns:ma14="http://schemas.microsoft.com/office/mac/drawingml/2011/main" val="1"/>
+              <ma14:wrappingTextBoxFlag xmlns:ma14="http://schemas.microsoft.com/office/mac/drawingml/2011/main" xmlns:a14="http://schemas.microsoft.com/office/drawing/2010/main" xmlns:m="http://schemas.openxmlformats.org/officeDocument/2006/math" xmlns="" val="1"/>
             </a:ext>
           </a:extLst>
         </p:spPr>
@@ -3943,7 +3943,7 @@
         </p:nvSpPr>
         <p:spPr>
           <a:xfrm>
-            <a:off x="10134599" y="2953874"/>
+            <a:off x="10186430" y="3069834"/>
             <a:ext cx="2128177" cy="1270001"/>
           </a:xfrm>
           <a:prstGeom prst="roundRect">
@@ -3962,7 +3962,7 @@
           </a:ln>
           <a:extLst>
             <a:ext uri="{C572A759-6A51-4108-AA02-DFA0A04FC94B}">
-              <ma14:wrappingTextBoxFlag xmlns="" xmlns:m="http://schemas.openxmlformats.org/officeDocument/2006/math" xmlns:a14="http://schemas.microsoft.com/office/drawing/2010/main" xmlns:ma14="http://schemas.microsoft.com/office/mac/drawingml/2011/main" val="1"/>
+              <ma14:wrappingTextBoxFlag xmlns:ma14="http://schemas.microsoft.com/office/mac/drawingml/2011/main" xmlns:a14="http://schemas.microsoft.com/office/drawing/2010/main" xmlns:m="http://schemas.openxmlformats.org/officeDocument/2006/math" xmlns="" val="1"/>
             </a:ext>
           </a:extLst>
         </p:spPr>
@@ -3995,45 +3995,14 @@
       </p:sp>
       <p:sp>
         <p:nvSpPr>
-          <p:cNvPr id="259" name="Line"/>
-          <p:cNvSpPr/>
-          <p:nvPr/>
-        </p:nvSpPr>
-        <p:spPr>
-          <a:xfrm flipH="1">
-            <a:off x="9099474" y="3627892"/>
-            <a:ext cx="1059611" cy="717334"/>
-          </a:xfrm>
-          <a:prstGeom prst="line">
-            <a:avLst/>
-          </a:prstGeom>
-          <a:ln w="50800">
-            <a:solidFill>
-              <a:srgbClr val="000000"/>
-            </a:solidFill>
-            <a:prstDash val="sysDot"/>
-            <a:miter lim="400000"/>
-            <a:tailEnd type="triangle"/>
-          </a:ln>
-        </p:spPr>
-        <p:txBody>
-          <a:bodyPr lIns="50800" tIns="50800" rIns="50800" bIns="50800" anchor="ctr"/>
-          <a:lstStyle/>
-          <a:p>
-            <a:endParaRPr sz="2500"/>
-          </a:p>
-        </p:txBody>
-      </p:sp>
-      <p:sp>
-        <p:nvSpPr>
           <p:cNvPr id="260" name="Rectangle"/>
           <p:cNvSpPr/>
           <p:nvPr/>
         </p:nvSpPr>
         <p:spPr>
           <a:xfrm>
-            <a:off x="7865598" y="2198827"/>
-            <a:ext cx="1248041" cy="2675253"/>
+            <a:off x="7865598" y="2706092"/>
+            <a:ext cx="1248041" cy="2167988"/>
           </a:xfrm>
           <a:prstGeom prst="rect">
             <a:avLst/>
@@ -4079,7 +4048,7 @@
         </p:nvSpPr>
         <p:spPr>
           <a:xfrm>
-            <a:off x="7448513" y="7154958"/>
+            <a:off x="12673389" y="5408779"/>
             <a:ext cx="2128177" cy="1270001"/>
           </a:xfrm>
           <a:prstGeom prst="roundRect">
@@ -4098,7 +4067,7 @@
           </a:ln>
           <a:extLst>
             <a:ext uri="{C572A759-6A51-4108-AA02-DFA0A04FC94B}">
-              <ma14:wrappingTextBoxFlag xmlns="" xmlns:m="http://schemas.openxmlformats.org/officeDocument/2006/math" xmlns:a14="http://schemas.microsoft.com/office/drawing/2010/main" xmlns:ma14="http://schemas.microsoft.com/office/mac/drawingml/2011/main" val="1"/>
+              <ma14:wrappingTextBoxFlag xmlns:ma14="http://schemas.microsoft.com/office/mac/drawingml/2011/main" xmlns:a14="http://schemas.microsoft.com/office/drawing/2010/main" xmlns:m="http://schemas.openxmlformats.org/officeDocument/2006/math" xmlns="" val="1"/>
             </a:ext>
           </a:extLst>
         </p:spPr>
@@ -4137,7 +4106,7 @@
         </p:nvSpPr>
         <p:spPr>
           <a:xfrm>
-            <a:off x="4809662" y="7154959"/>
+            <a:off x="10048979" y="5440579"/>
             <a:ext cx="2128177" cy="1270001"/>
           </a:xfrm>
           <a:prstGeom prst="roundRect">
@@ -4156,7 +4125,7 @@
           </a:ln>
           <a:extLst>
             <a:ext uri="{C572A759-6A51-4108-AA02-DFA0A04FC94B}">
-              <ma14:wrappingTextBoxFlag xmlns="" xmlns:m="http://schemas.openxmlformats.org/officeDocument/2006/math" xmlns:a14="http://schemas.microsoft.com/office/drawing/2010/main" xmlns:ma14="http://schemas.microsoft.com/office/mac/drawingml/2011/main" val="1"/>
+              <ma14:wrappingTextBoxFlag xmlns:ma14="http://schemas.microsoft.com/office/mac/drawingml/2011/main" xmlns:a14="http://schemas.microsoft.com/office/drawing/2010/main" xmlns:m="http://schemas.openxmlformats.org/officeDocument/2006/math" xmlns="" val="1"/>
             </a:ext>
           </a:extLst>
         </p:spPr>
@@ -4195,7 +4164,7 @@
         </p:nvSpPr>
         <p:spPr>
           <a:xfrm>
-            <a:off x="10337001" y="5432159"/>
+            <a:off x="4809662" y="7702360"/>
             <a:ext cx="2128177" cy="1270001"/>
           </a:xfrm>
           <a:prstGeom prst="roundRect">
@@ -4214,7 +4183,7 @@
           </a:ln>
           <a:extLst>
             <a:ext uri="{C572A759-6A51-4108-AA02-DFA0A04FC94B}">
-              <ma14:wrappingTextBoxFlag xmlns="" xmlns:m="http://schemas.openxmlformats.org/officeDocument/2006/math" xmlns:a14="http://schemas.microsoft.com/office/drawing/2010/main" xmlns:ma14="http://schemas.microsoft.com/office/mac/drawingml/2011/main" val="1"/>
+              <ma14:wrappingTextBoxFlag xmlns:ma14="http://schemas.microsoft.com/office/mac/drawingml/2011/main" xmlns:a14="http://schemas.microsoft.com/office/drawing/2010/main" xmlns:m="http://schemas.openxmlformats.org/officeDocument/2006/math" xmlns="" val="1"/>
             </a:ext>
           </a:extLst>
         </p:spPr>
@@ -4253,7 +4222,7 @@
         </p:nvSpPr>
         <p:spPr>
           <a:xfrm>
-            <a:off x="13200815" y="4144558"/>
+            <a:off x="7448379" y="7092949"/>
             <a:ext cx="2128177" cy="1270001"/>
           </a:xfrm>
           <a:prstGeom prst="roundRect">
@@ -4272,7 +4241,7 @@
           </a:ln>
           <a:extLst>
             <a:ext uri="{C572A759-6A51-4108-AA02-DFA0A04FC94B}">
-              <ma14:wrappingTextBoxFlag xmlns="" xmlns:m="http://schemas.openxmlformats.org/officeDocument/2006/math" xmlns:a14="http://schemas.microsoft.com/office/drawing/2010/main" xmlns:ma14="http://schemas.microsoft.com/office/mac/drawingml/2011/main" val="1"/>
+              <ma14:wrappingTextBoxFlag xmlns:ma14="http://schemas.microsoft.com/office/mac/drawingml/2011/main" xmlns:a14="http://schemas.microsoft.com/office/drawing/2010/main" xmlns:m="http://schemas.openxmlformats.org/officeDocument/2006/math" xmlns="" val="1"/>
             </a:ext>
           </a:extLst>
         </p:spPr>
@@ -4311,7 +4280,7 @@
         </p:nvSpPr>
         <p:spPr>
           <a:xfrm>
-            <a:off x="13200815" y="6697321"/>
+            <a:off x="7448379" y="8566041"/>
             <a:ext cx="2128177" cy="1270001"/>
           </a:xfrm>
           <a:prstGeom prst="roundRect">
@@ -4330,7 +4299,7 @@
           </a:ln>
           <a:extLst>
             <a:ext uri="{C572A759-6A51-4108-AA02-DFA0A04FC94B}">
-              <ma14:wrappingTextBoxFlag xmlns="" xmlns:m="http://schemas.openxmlformats.org/officeDocument/2006/math" xmlns:a14="http://schemas.microsoft.com/office/drawing/2010/main" xmlns:ma14="http://schemas.microsoft.com/office/mac/drawingml/2011/main" val="1"/>
+              <ma14:wrappingTextBoxFlag xmlns:ma14="http://schemas.microsoft.com/office/mac/drawingml/2011/main" xmlns:a14="http://schemas.microsoft.com/office/drawing/2010/main" xmlns:m="http://schemas.openxmlformats.org/officeDocument/2006/math" xmlns="" val="1"/>
             </a:ext>
           </a:extLst>
         </p:spPr>
@@ -4388,7 +4357,7 @@
           </a:ln>
           <a:extLst>
             <a:ext uri="{C572A759-6A51-4108-AA02-DFA0A04FC94B}">
-              <ma14:wrappingTextBoxFlag xmlns="" xmlns:m="http://schemas.openxmlformats.org/officeDocument/2006/math" xmlns:a14="http://schemas.microsoft.com/office/drawing/2010/main" xmlns:ma14="http://schemas.microsoft.com/office/mac/drawingml/2011/main" val="1"/>
+              <ma14:wrappingTextBoxFlag xmlns:ma14="http://schemas.microsoft.com/office/mac/drawingml/2011/main" xmlns:a14="http://schemas.microsoft.com/office/drawing/2010/main" xmlns:m="http://schemas.openxmlformats.org/officeDocument/2006/math" xmlns="" val="1"/>
             </a:ext>
           </a:extLst>
         </p:spPr>
@@ -4435,7 +4404,7 @@
         </p:blipFill>
         <p:spPr>
           <a:xfrm>
-            <a:off x="8105113" y="2359620"/>
+            <a:off x="8091162" y="2918941"/>
             <a:ext cx="863870" cy="692793"/>
           </a:xfrm>
           <a:prstGeom prst="rect">
@@ -4454,8 +4423,8 @@
         </p:nvSpPr>
         <p:spPr>
           <a:xfrm>
-            <a:off x="9111385" y="2818309"/>
-            <a:ext cx="1063697" cy="696684"/>
+            <a:off x="9148866" y="3221490"/>
+            <a:ext cx="1048037" cy="431784"/>
           </a:xfrm>
           <a:prstGeom prst="line">
             <a:avLst/>
@@ -4492,7 +4461,7 @@
         </p:blipFill>
         <p:spPr>
           <a:xfrm>
-            <a:off x="15574876" y="10560089"/>
+            <a:off x="25497701" y="10655339"/>
             <a:ext cx="8596142" cy="4687930"/>
           </a:xfrm>
           <a:prstGeom prst="rect">
@@ -4511,7 +4480,7 @@
         </p:nvSpPr>
         <p:spPr>
           <a:xfrm>
-            <a:off x="6842532" y="2706092"/>
+            <a:off x="6885241" y="3254002"/>
             <a:ext cx="1001137" cy="1"/>
           </a:xfrm>
           <a:prstGeom prst="line">
@@ -4529,7 +4498,7 @@
           <a:bodyPr lIns="50800" tIns="50800" rIns="50800" bIns="50800" anchor="ctr"/>
           <a:lstStyle/>
           <a:p>
-            <a:endParaRPr sz="2500"/>
+            <a:endParaRPr sz="2500" dirty="0"/>
           </a:p>
         </p:txBody>
       </p:sp>
@@ -4541,7 +4510,7 @@
         </p:nvSpPr>
         <p:spPr>
           <a:xfrm>
-            <a:off x="4811447" y="2071092"/>
+            <a:off x="4742390" y="2619001"/>
             <a:ext cx="2128177" cy="1270001"/>
           </a:xfrm>
           <a:prstGeom prst="roundRect">
@@ -4560,7 +4529,7 @@
           </a:ln>
           <a:extLst>
             <a:ext uri="{C572A759-6A51-4108-AA02-DFA0A04FC94B}">
-              <ma14:wrappingTextBoxFlag xmlns="" xmlns:m="http://schemas.openxmlformats.org/officeDocument/2006/math" xmlns:a14="http://schemas.microsoft.com/office/drawing/2010/main" xmlns:ma14="http://schemas.microsoft.com/office/mac/drawingml/2011/main" val="1"/>
+              <ma14:wrappingTextBoxFlag xmlns:ma14="http://schemas.microsoft.com/office/mac/drawingml/2011/main" xmlns:a14="http://schemas.microsoft.com/office/drawing/2010/main" xmlns:m="http://schemas.openxmlformats.org/officeDocument/2006/math" xmlns="" val="1"/>
             </a:ext>
           </a:extLst>
         </p:spPr>
@@ -4647,7 +4616,7 @@
           </a:ln>
           <a:extLst>
             <a:ext uri="{C572A759-6A51-4108-AA02-DFA0A04FC94B}">
-              <ma14:wrappingTextBoxFlag xmlns="" xmlns:m="http://schemas.openxmlformats.org/officeDocument/2006/math" xmlns:a14="http://schemas.microsoft.com/office/drawing/2010/main" xmlns:ma14="http://schemas.microsoft.com/office/mac/drawingml/2011/main" val="1"/>
+              <ma14:wrappingTextBoxFlag xmlns:ma14="http://schemas.microsoft.com/office/mac/drawingml/2011/main" xmlns:a14="http://schemas.microsoft.com/office/drawing/2010/main" xmlns:m="http://schemas.openxmlformats.org/officeDocument/2006/math" xmlns="" val="1"/>
             </a:ext>
           </a:extLst>
         </p:spPr>
@@ -4716,7 +4685,7 @@
         </p:nvSpPr>
         <p:spPr>
           <a:xfrm>
-            <a:off x="4809066" y="8957733"/>
+            <a:off x="4810413" y="10118026"/>
             <a:ext cx="975737" cy="383663"/>
           </a:xfrm>
           <a:prstGeom prst="roundRect">
@@ -4764,7 +4733,7 @@
         </p:nvSpPr>
         <p:spPr>
           <a:xfrm>
-            <a:off x="5908919" y="8925143"/>
+            <a:off x="5910266" y="10085436"/>
             <a:ext cx="2862963" cy="448841"/>
           </a:xfrm>
           <a:prstGeom prst="rect">
@@ -4775,7 +4744,7 @@
           </a:ln>
           <a:extLst>
             <a:ext uri="{C572A759-6A51-4108-AA02-DFA0A04FC94B}">
-              <ma14:wrappingTextBoxFlag xmlns="" xmlns:m="http://schemas.openxmlformats.org/officeDocument/2006/math" xmlns:a14="http://schemas.microsoft.com/office/drawing/2010/main" xmlns:ma14="http://schemas.microsoft.com/office/mac/drawingml/2011/main" val="1"/>
+              <ma14:wrappingTextBoxFlag xmlns:ma14="http://schemas.microsoft.com/office/mac/drawingml/2011/main" xmlns:a14="http://schemas.microsoft.com/office/drawing/2010/main" xmlns:m="http://schemas.openxmlformats.org/officeDocument/2006/math" xmlns="" val="1"/>
             </a:ext>
           </a:extLst>
         </p:spPr>
@@ -4804,7 +4773,7 @@
         </p:nvSpPr>
         <p:spPr>
           <a:xfrm>
-            <a:off x="10754202" y="8925143"/>
+            <a:off x="10755549" y="10085436"/>
             <a:ext cx="2721899" cy="448841"/>
           </a:xfrm>
           <a:prstGeom prst="rect">
@@ -4815,7 +4784,7 @@
           </a:ln>
           <a:extLst>
             <a:ext uri="{C572A759-6A51-4108-AA02-DFA0A04FC94B}">
-              <ma14:wrappingTextBoxFlag xmlns="" xmlns:m="http://schemas.openxmlformats.org/officeDocument/2006/math" xmlns:a14="http://schemas.microsoft.com/office/drawing/2010/main" xmlns:ma14="http://schemas.microsoft.com/office/mac/drawingml/2011/main" val="1"/>
+              <ma14:wrappingTextBoxFlag xmlns:ma14="http://schemas.microsoft.com/office/mac/drawingml/2011/main" xmlns:a14="http://schemas.microsoft.com/office/drawing/2010/main" xmlns:m="http://schemas.openxmlformats.org/officeDocument/2006/math" xmlns="" val="1"/>
             </a:ext>
           </a:extLst>
         </p:spPr>
@@ -4844,7 +4813,7 @@
         </p:nvSpPr>
         <p:spPr>
           <a:xfrm>
-            <a:off x="9681272" y="8958865"/>
+            <a:off x="9682619" y="10119158"/>
             <a:ext cx="984925" cy="381398"/>
           </a:xfrm>
           <a:prstGeom prst="roundRect">
@@ -4886,78 +4855,6 @@
       </p:sp>
       <p:sp>
         <p:nvSpPr>
-          <p:cNvPr id="3" name="Line">
-            <a:extLst>
-              <a:ext uri="{FF2B5EF4-FFF2-40B4-BE49-F238E27FC236}">
-                <a16:creationId xmlns:a16="http://schemas.microsoft.com/office/drawing/2014/main" id="{5D67B68C-F985-B80F-97EE-955B7BCC1986}"/>
-              </a:ext>
-            </a:extLst>
-          </p:cNvPr>
-          <p:cNvSpPr/>
-          <p:nvPr/>
-        </p:nvSpPr>
-        <p:spPr>
-          <a:xfrm>
-            <a:off x="6950494" y="7801837"/>
-            <a:ext cx="485364" cy="0"/>
-          </a:xfrm>
-          <a:prstGeom prst="line">
-            <a:avLst/>
-          </a:prstGeom>
-          <a:ln w="57150">
-            <a:solidFill>
-              <a:srgbClr val="000000"/>
-            </a:solidFill>
-            <a:miter lim="400000"/>
-            <a:tailEnd type="triangle"/>
-          </a:ln>
-        </p:spPr>
-        <p:txBody>
-          <a:bodyPr lIns="50800" tIns="50800" rIns="50800" bIns="50800" anchor="ctr"/>
-          <a:lstStyle/>
-          <a:p>
-            <a:endParaRPr sz="2500"/>
-          </a:p>
-        </p:txBody>
-      </p:sp>
-      <p:sp>
-        <p:nvSpPr>
-          <p:cNvPr id="4" name="Line">
-            <a:extLst>
-              <a:ext uri="{FF2B5EF4-FFF2-40B4-BE49-F238E27FC236}">
-                <a16:creationId xmlns:a16="http://schemas.microsoft.com/office/drawing/2014/main" id="{8E17F5B9-2400-ED54-0616-3BC3371176E9}"/>
-              </a:ext>
-            </a:extLst>
-          </p:cNvPr>
-          <p:cNvSpPr/>
-          <p:nvPr/>
-        </p:nvSpPr>
-        <p:spPr>
-          <a:xfrm>
-            <a:off x="9862141" y="6080932"/>
-            <a:ext cx="485364" cy="0"/>
-          </a:xfrm>
-          <a:prstGeom prst="line">
-            <a:avLst/>
-          </a:prstGeom>
-          <a:ln w="57150">
-            <a:solidFill>
-              <a:srgbClr val="000000"/>
-            </a:solidFill>
-            <a:miter lim="400000"/>
-            <a:tailEnd type="triangle"/>
-          </a:ln>
-        </p:spPr>
-        <p:txBody>
-          <a:bodyPr lIns="50800" tIns="50800" rIns="50800" bIns="50800" anchor="ctr"/>
-          <a:lstStyle/>
-          <a:p>
-            <a:endParaRPr sz="2500"/>
-          </a:p>
-        </p:txBody>
-      </p:sp>
-      <p:sp>
-        <p:nvSpPr>
           <p:cNvPr id="5" name="Line">
             <a:extLst>
               <a:ext uri="{FF2B5EF4-FFF2-40B4-BE49-F238E27FC236}">
@@ -4970,8 +4867,8 @@
         </p:nvSpPr>
         <p:spPr>
           <a:xfrm>
-            <a:off x="12715451" y="4787846"/>
-            <a:ext cx="485364" cy="0"/>
+            <a:off x="7115175" y="7754343"/>
+            <a:ext cx="329957" cy="0"/>
           </a:xfrm>
           <a:prstGeom prst="line">
             <a:avLst/>
@@ -5006,8 +4903,8 @@
         </p:nvSpPr>
         <p:spPr>
           <a:xfrm>
-            <a:off x="12715451" y="7363632"/>
-            <a:ext cx="485364" cy="0"/>
+            <a:off x="7115174" y="9228252"/>
+            <a:ext cx="329955" cy="3500"/>
           </a:xfrm>
           <a:prstGeom prst="line">
             <a:avLst/>
@@ -5039,15 +4936,13 @@
           </p:cNvPr>
           <p:cNvCxnSpPr>
             <a:cxnSpLocks/>
-            <a:stCxn id="5" idx="0"/>
-            <a:endCxn id="6" idx="0"/>
           </p:cNvCxnSpPr>
           <p:nvPr/>
         </p:nvCxnSpPr>
         <p:spPr>
           <a:xfrm>
-            <a:off x="12715451" y="4787846"/>
-            <a:ext cx="0" cy="2575786"/>
+            <a:off x="7140355" y="7754343"/>
+            <a:ext cx="0" cy="1499513"/>
           </a:xfrm>
           <a:prstGeom prst="line">
             <a:avLst/>
@@ -5087,13 +4982,12 @@
           </p:cNvPr>
           <p:cNvCxnSpPr>
             <a:cxnSpLocks/>
-            <a:stCxn id="265" idx="3"/>
           </p:cNvCxnSpPr>
           <p:nvPr/>
         </p:nvCxnSpPr>
         <p:spPr>
           <a:xfrm flipV="1">
-            <a:off x="12465178" y="6067159"/>
+            <a:off x="13059549" y="8108594"/>
             <a:ext cx="250273" cy="1"/>
           </a:xfrm>
           <a:prstGeom prst="line">
@@ -5180,13 +5074,12 @@
           </p:cNvPr>
           <p:cNvCxnSpPr>
             <a:cxnSpLocks/>
-            <a:stCxn id="268" idx="2"/>
           </p:cNvCxnSpPr>
           <p:nvPr/>
         </p:nvCxnSpPr>
         <p:spPr>
           <a:xfrm flipH="1">
-            <a:off x="8499946" y="6697321"/>
+            <a:off x="13737477" y="6677306"/>
             <a:ext cx="1" cy="217829"/>
           </a:xfrm>
           <a:prstGeom prst="line">
@@ -5232,8 +5125,8 @@
         </p:nvCxnSpPr>
         <p:spPr>
           <a:xfrm flipH="1">
-            <a:off x="5851822" y="6897024"/>
-            <a:ext cx="2648124" cy="0"/>
+            <a:off x="5851822" y="6895135"/>
+            <a:ext cx="7909369" cy="0"/>
           </a:xfrm>
           <a:prstGeom prst="line">
             <a:avLst/>
@@ -5273,14 +5166,13 @@
           </p:cNvPr>
           <p:cNvCxnSpPr>
             <a:cxnSpLocks/>
-            <a:endCxn id="263" idx="0"/>
           </p:cNvCxnSpPr>
           <p:nvPr/>
         </p:nvCxnSpPr>
         <p:spPr>
           <a:xfrm>
-            <a:off x="5873750" y="6915150"/>
-            <a:ext cx="1" cy="239809"/>
+            <a:off x="5881369" y="6894188"/>
+            <a:ext cx="0" cy="808172"/>
           </a:xfrm>
           <a:prstGeom prst="straightConnector1">
             <a:avLst/>
@@ -5310,262 +5202,6 @@
           <a:fontRef idx="none"/>
         </p:style>
       </p:cxnSp>
-      <p:cxnSp>
-        <p:nvCxnSpPr>
-          <p:cNvPr id="29" name="Straight Connector 28">
-            <a:extLst>
-              <a:ext uri="{FF2B5EF4-FFF2-40B4-BE49-F238E27FC236}">
-                <a16:creationId xmlns:a16="http://schemas.microsoft.com/office/drawing/2014/main" id="{329E2D2D-6707-056D-897D-B49ADDD85112}"/>
-              </a:ext>
-            </a:extLst>
-          </p:cNvPr>
-          <p:cNvCxnSpPr>
-            <a:cxnSpLocks/>
-          </p:cNvCxnSpPr>
-          <p:nvPr/>
-        </p:nvCxnSpPr>
-        <p:spPr>
-          <a:xfrm flipV="1">
-            <a:off x="9598660" y="7807211"/>
-            <a:ext cx="250273" cy="1"/>
-          </a:xfrm>
-          <a:prstGeom prst="line">
-            <a:avLst/>
-          </a:prstGeom>
-          <a:noFill/>
-          <a:ln w="57150" cap="flat">
-            <a:solidFill>
-              <a:srgbClr val="000000"/>
-            </a:solidFill>
-            <a:prstDash val="solid"/>
-            <a:miter lim="400000"/>
-          </a:ln>
-          <a:effectLst/>
-          <a:sp3d/>
-        </p:spPr>
-        <p:style>
-          <a:lnRef idx="0">
-            <a:scrgbClr r="0" g="0" b="0"/>
-          </a:lnRef>
-          <a:fillRef idx="0">
-            <a:scrgbClr r="0" g="0" b="0"/>
-          </a:fillRef>
-          <a:effectRef idx="0">
-            <a:scrgbClr r="0" g="0" b="0"/>
-          </a:effectRef>
-          <a:fontRef idx="none"/>
-        </p:style>
-      </p:cxnSp>
-      <p:cxnSp>
-        <p:nvCxnSpPr>
-          <p:cNvPr id="30" name="Straight Connector 29">
-            <a:extLst>
-              <a:ext uri="{FF2B5EF4-FFF2-40B4-BE49-F238E27FC236}">
-                <a16:creationId xmlns:a16="http://schemas.microsoft.com/office/drawing/2014/main" id="{C089ADF7-9388-0BB2-67D4-7C7E1E24D317}"/>
-              </a:ext>
-            </a:extLst>
-          </p:cNvPr>
-          <p:cNvCxnSpPr>
-            <a:cxnSpLocks/>
-          </p:cNvCxnSpPr>
-          <p:nvPr/>
-        </p:nvCxnSpPr>
-        <p:spPr>
-          <a:xfrm>
-            <a:off x="9860681" y="6057198"/>
-            <a:ext cx="0" cy="1777417"/>
-          </a:xfrm>
-          <a:prstGeom prst="line">
-            <a:avLst/>
-          </a:prstGeom>
-          <a:noFill/>
-          <a:ln w="57150" cap="flat">
-            <a:solidFill>
-              <a:srgbClr val="000000"/>
-            </a:solidFill>
-            <a:prstDash val="solid"/>
-            <a:miter lim="400000"/>
-          </a:ln>
-          <a:effectLst/>
-          <a:sp3d/>
-        </p:spPr>
-        <p:style>
-          <a:lnRef idx="0">
-            <a:scrgbClr r="0" g="0" b="0"/>
-          </a:lnRef>
-          <a:fillRef idx="0">
-            <a:scrgbClr r="0" g="0" b="0"/>
-          </a:fillRef>
-          <a:effectRef idx="0">
-            <a:scrgbClr r="0" g="0" b="0"/>
-          </a:effectRef>
-          <a:fontRef idx="none"/>
-        </p:style>
-      </p:cxnSp>
-      <p:sp>
-        <p:nvSpPr>
-          <p:cNvPr id="32" name="Line">
-            <a:extLst>
-              <a:ext uri="{FF2B5EF4-FFF2-40B4-BE49-F238E27FC236}">
-                <a16:creationId xmlns:a16="http://schemas.microsoft.com/office/drawing/2014/main" id="{A930C58B-7EC9-BFDE-1194-E7D1BDB46821}"/>
-              </a:ext>
-            </a:extLst>
-          </p:cNvPr>
-          <p:cNvSpPr/>
-          <p:nvPr/>
-        </p:nvSpPr>
-        <p:spPr>
-          <a:xfrm flipH="1">
-            <a:off x="15332194" y="4793039"/>
-            <a:ext cx="485364" cy="0"/>
-          </a:xfrm>
-          <a:prstGeom prst="line">
-            <a:avLst/>
-          </a:prstGeom>
-          <a:ln w="57150">
-            <a:solidFill>
-              <a:srgbClr val="000000"/>
-            </a:solidFill>
-            <a:miter lim="400000"/>
-            <a:tailEnd type="triangle"/>
-          </a:ln>
-        </p:spPr>
-        <p:txBody>
-          <a:bodyPr lIns="50800" tIns="50800" rIns="50800" bIns="50800" anchor="ctr"/>
-          <a:lstStyle/>
-          <a:p>
-            <a:endParaRPr sz="2500"/>
-          </a:p>
-        </p:txBody>
-      </p:sp>
-      <p:sp>
-        <p:nvSpPr>
-          <p:cNvPr id="33" name="Line">
-            <a:extLst>
-              <a:ext uri="{FF2B5EF4-FFF2-40B4-BE49-F238E27FC236}">
-                <a16:creationId xmlns:a16="http://schemas.microsoft.com/office/drawing/2014/main" id="{CB29CCB7-ADE4-2DB4-9D89-4502A359EBB6}"/>
-              </a:ext>
-            </a:extLst>
-          </p:cNvPr>
-          <p:cNvSpPr/>
-          <p:nvPr/>
-        </p:nvSpPr>
-        <p:spPr>
-          <a:xfrm flipH="1">
-            <a:off x="15332194" y="7368825"/>
-            <a:ext cx="485364" cy="0"/>
-          </a:xfrm>
-          <a:prstGeom prst="line">
-            <a:avLst/>
-          </a:prstGeom>
-          <a:ln w="57150">
-            <a:solidFill>
-              <a:srgbClr val="000000"/>
-            </a:solidFill>
-            <a:miter lim="400000"/>
-            <a:tailEnd type="triangle"/>
-          </a:ln>
-        </p:spPr>
-        <p:txBody>
-          <a:bodyPr lIns="50800" tIns="50800" rIns="50800" bIns="50800" anchor="ctr"/>
-          <a:lstStyle/>
-          <a:p>
-            <a:endParaRPr sz="2500"/>
-          </a:p>
-        </p:txBody>
-      </p:sp>
-      <p:cxnSp>
-        <p:nvCxnSpPr>
-          <p:cNvPr id="34" name="Straight Connector 33">
-            <a:extLst>
-              <a:ext uri="{FF2B5EF4-FFF2-40B4-BE49-F238E27FC236}">
-                <a16:creationId xmlns:a16="http://schemas.microsoft.com/office/drawing/2014/main" id="{9FA09107-1101-91F7-411C-721048CB3C01}"/>
-              </a:ext>
-            </a:extLst>
-          </p:cNvPr>
-          <p:cNvCxnSpPr>
-            <a:cxnSpLocks/>
-          </p:cNvCxnSpPr>
-          <p:nvPr/>
-        </p:nvCxnSpPr>
-        <p:spPr>
-          <a:xfrm flipH="1">
-            <a:off x="15817558" y="4793039"/>
-            <a:ext cx="0" cy="2575786"/>
-          </a:xfrm>
-          <a:prstGeom prst="line">
-            <a:avLst/>
-          </a:prstGeom>
-          <a:noFill/>
-          <a:ln w="57150" cap="flat">
-            <a:solidFill>
-              <a:srgbClr val="000000"/>
-            </a:solidFill>
-            <a:prstDash val="solid"/>
-            <a:miter lim="400000"/>
-          </a:ln>
-          <a:effectLst/>
-          <a:sp3d/>
-        </p:spPr>
-        <p:style>
-          <a:lnRef idx="0">
-            <a:scrgbClr r="0" g="0" b="0"/>
-          </a:lnRef>
-          <a:fillRef idx="0">
-            <a:scrgbClr r="0" g="0" b="0"/>
-          </a:fillRef>
-          <a:effectRef idx="0">
-            <a:scrgbClr r="0" g="0" b="0"/>
-          </a:effectRef>
-          <a:fontRef idx="none"/>
-        </p:style>
-      </p:cxnSp>
-      <p:cxnSp>
-        <p:nvCxnSpPr>
-          <p:cNvPr id="35" name="Straight Connector 34">
-            <a:extLst>
-              <a:ext uri="{FF2B5EF4-FFF2-40B4-BE49-F238E27FC236}">
-                <a16:creationId xmlns:a16="http://schemas.microsoft.com/office/drawing/2014/main" id="{DD435FE4-F873-69E5-FFF8-A1D6F2F6134C}"/>
-              </a:ext>
-            </a:extLst>
-          </p:cNvPr>
-          <p:cNvCxnSpPr>
-            <a:cxnSpLocks/>
-          </p:cNvCxnSpPr>
-          <p:nvPr/>
-        </p:nvCxnSpPr>
-        <p:spPr>
-          <a:xfrm flipH="1" flipV="1">
-            <a:off x="15817558" y="6080932"/>
-            <a:ext cx="250273" cy="1"/>
-          </a:xfrm>
-          <a:prstGeom prst="line">
-            <a:avLst/>
-          </a:prstGeom>
-          <a:noFill/>
-          <a:ln w="57150" cap="flat">
-            <a:solidFill>
-              <a:srgbClr val="000000"/>
-            </a:solidFill>
-            <a:prstDash val="solid"/>
-            <a:miter lim="400000"/>
-          </a:ln>
-          <a:effectLst/>
-          <a:sp3d/>
-        </p:spPr>
-        <p:style>
-          <a:lnRef idx="0">
-            <a:scrgbClr r="0" g="0" b="0"/>
-          </a:lnRef>
-          <a:fillRef idx="0">
-            <a:scrgbClr r="0" g="0" b="0"/>
-          </a:fillRef>
-          <a:effectRef idx="0">
-            <a:scrgbClr r="0" g="0" b="0"/>
-          </a:effectRef>
-          <a:fontRef idx="none"/>
-        </p:style>
-      </p:cxnSp>
       <p:sp>
         <p:nvSpPr>
           <p:cNvPr id="36" name="Classifier">
@@ -5580,7 +5216,7 @@
         </p:nvSpPr>
         <p:spPr>
           <a:xfrm>
-            <a:off x="16066990" y="5422197"/>
+            <a:off x="10048979" y="7644507"/>
             <a:ext cx="2128177" cy="1270001"/>
           </a:xfrm>
           <a:prstGeom prst="roundRect">
@@ -5599,7 +5235,7 @@
           </a:ln>
           <a:extLst>
             <a:ext uri="{C572A759-6A51-4108-AA02-DFA0A04FC94B}">
-              <ma14:wrappingTextBoxFlag xmlns="" xmlns:m="http://schemas.openxmlformats.org/officeDocument/2006/math" xmlns:a14="http://schemas.microsoft.com/office/drawing/2010/main" xmlns:ma14="http://schemas.microsoft.com/office/mac/drawingml/2011/main" val="1"/>
+              <ma14:wrappingTextBoxFlag xmlns:ma14="http://schemas.microsoft.com/office/mac/drawingml/2011/main" xmlns:a14="http://schemas.microsoft.com/office/drawing/2010/main" xmlns:m="http://schemas.openxmlformats.org/officeDocument/2006/math" xmlns="" val="1"/>
             </a:ext>
           </a:extLst>
         </p:spPr>
@@ -5644,7 +5280,7 @@
         </p:nvSpPr>
         <p:spPr>
           <a:xfrm>
-            <a:off x="18680531" y="5440579"/>
+            <a:off x="12645435" y="7621701"/>
             <a:ext cx="2128177" cy="1270001"/>
           </a:xfrm>
           <a:prstGeom prst="roundRect">
@@ -5668,7 +5304,7 @@
           </a:ln>
           <a:extLst>
             <a:ext uri="{C572A759-6A51-4108-AA02-DFA0A04FC94B}">
-              <ma14:wrappingTextBoxFlag xmlns="" xmlns:m="http://schemas.openxmlformats.org/officeDocument/2006/math" xmlns:a14="http://schemas.microsoft.com/office/drawing/2010/main" xmlns:ma14="http://schemas.microsoft.com/office/mac/drawingml/2011/main" val="1"/>
+              <ma14:wrappingTextBoxFlag xmlns:ma14="http://schemas.microsoft.com/office/mac/drawingml/2011/main" xmlns:a14="http://schemas.microsoft.com/office/drawing/2010/main" xmlns:m="http://schemas.openxmlformats.org/officeDocument/2006/math" xmlns="" val="1"/>
             </a:ext>
           </a:extLst>
         </p:spPr>
@@ -5713,7 +5349,7 @@
         </p:nvSpPr>
         <p:spPr>
           <a:xfrm>
-            <a:off x="21294072" y="5440579"/>
+            <a:off x="15258976" y="7621701"/>
             <a:ext cx="2128177" cy="1270001"/>
           </a:xfrm>
           <a:prstGeom prst="roundRect">
@@ -5737,7 +5373,7 @@
           </a:ln>
           <a:extLst>
             <a:ext uri="{C572A759-6A51-4108-AA02-DFA0A04FC94B}">
-              <ma14:wrappingTextBoxFlag xmlns="" xmlns:m="http://schemas.openxmlformats.org/officeDocument/2006/math" xmlns:a14="http://schemas.microsoft.com/office/drawing/2010/main" xmlns:ma14="http://schemas.microsoft.com/office/mac/drawingml/2011/main" val="1"/>
+              <ma14:wrappingTextBoxFlag xmlns:ma14="http://schemas.microsoft.com/office/mac/drawingml/2011/main" xmlns:a14="http://schemas.microsoft.com/office/drawing/2010/main" xmlns:m="http://schemas.openxmlformats.org/officeDocument/2006/math" xmlns="" val="1"/>
             </a:ext>
           </a:extLst>
         </p:spPr>
@@ -5782,7 +5418,7 @@
         </p:nvSpPr>
         <p:spPr>
           <a:xfrm>
-            <a:off x="18195167" y="6075579"/>
+            <a:off x="12160071" y="8256701"/>
             <a:ext cx="485364" cy="0"/>
           </a:xfrm>
           <a:prstGeom prst="line">
@@ -5818,7 +5454,7 @@
         </p:nvSpPr>
         <p:spPr>
           <a:xfrm>
-            <a:off x="20808708" y="6057197"/>
+            <a:off x="14773612" y="8238319"/>
             <a:ext cx="485364" cy="0"/>
           </a:xfrm>
           <a:prstGeom prst="line">
@@ -5854,7 +5490,7 @@
         </p:nvSpPr>
         <p:spPr>
           <a:xfrm>
-            <a:off x="15416997" y="8907971"/>
+            <a:off x="15418344" y="10068264"/>
             <a:ext cx="2204130" cy="448841"/>
           </a:xfrm>
           <a:prstGeom prst="rect">
@@ -5865,7 +5501,7 @@
           </a:ln>
           <a:extLst>
             <a:ext uri="{C572A759-6A51-4108-AA02-DFA0A04FC94B}">
-              <ma14:wrappingTextBoxFlag xmlns="" xmlns:m="http://schemas.openxmlformats.org/officeDocument/2006/math" xmlns:a14="http://schemas.microsoft.com/office/drawing/2010/main" xmlns:ma14="http://schemas.microsoft.com/office/mac/drawingml/2011/main" val="1"/>
+              <ma14:wrappingTextBoxFlag xmlns:ma14="http://schemas.microsoft.com/office/mac/drawingml/2011/main" xmlns:a14="http://schemas.microsoft.com/office/drawing/2010/main" xmlns:m="http://schemas.openxmlformats.org/officeDocument/2006/math" xmlns="" val="1"/>
             </a:ext>
           </a:extLst>
         </p:spPr>
@@ -5901,7 +5537,7 @@
         </p:nvSpPr>
         <p:spPr>
           <a:xfrm>
-            <a:off x="14344067" y="8941693"/>
+            <a:off x="14345414" y="10101986"/>
             <a:ext cx="984925" cy="381398"/>
           </a:xfrm>
           <a:prstGeom prst="roundRect">
@@ -5942,6 +5578,370 @@
                 <a:sym typeface="Helvetica Neue Medium"/>
               </a:defRPr>
             </a:pPr>
+            <a:endParaRPr sz="2500"/>
+          </a:p>
+        </p:txBody>
+      </p:sp>
+      <p:sp>
+        <p:nvSpPr>
+          <p:cNvPr id="2" name="Line">
+            <a:extLst>
+              <a:ext uri="{FF2B5EF4-FFF2-40B4-BE49-F238E27FC236}">
+                <a16:creationId xmlns:a16="http://schemas.microsoft.com/office/drawing/2014/main" id="{8233FBE7-C661-F8BF-4CA0-1E162F0643B1}"/>
+              </a:ext>
+            </a:extLst>
+          </p:cNvPr>
+          <p:cNvSpPr/>
+          <p:nvPr/>
+        </p:nvSpPr>
+        <p:spPr>
+          <a:xfrm>
+            <a:off x="9556758" y="6062391"/>
+            <a:ext cx="485364" cy="0"/>
+          </a:xfrm>
+          <a:prstGeom prst="line">
+            <a:avLst/>
+          </a:prstGeom>
+          <a:ln w="57150">
+            <a:solidFill>
+              <a:srgbClr val="000000"/>
+            </a:solidFill>
+            <a:miter lim="400000"/>
+            <a:tailEnd type="triangle"/>
+          </a:ln>
+        </p:spPr>
+        <p:txBody>
+          <a:bodyPr lIns="50800" tIns="50800" rIns="50800" bIns="50800" anchor="ctr"/>
+          <a:lstStyle/>
+          <a:p>
+            <a:endParaRPr sz="2500"/>
+          </a:p>
+        </p:txBody>
+      </p:sp>
+      <p:sp>
+        <p:nvSpPr>
+          <p:cNvPr id="7" name="Line">
+            <a:extLst>
+              <a:ext uri="{FF2B5EF4-FFF2-40B4-BE49-F238E27FC236}">
+                <a16:creationId xmlns:a16="http://schemas.microsoft.com/office/drawing/2014/main" id="{09D43C25-5C71-49BD-8D6B-85EED2B0AB5A}"/>
+              </a:ext>
+            </a:extLst>
+          </p:cNvPr>
+          <p:cNvSpPr/>
+          <p:nvPr/>
+        </p:nvSpPr>
+        <p:spPr>
+          <a:xfrm>
+            <a:off x="12196976" y="6062391"/>
+            <a:ext cx="485364" cy="0"/>
+          </a:xfrm>
+          <a:prstGeom prst="line">
+            <a:avLst/>
+          </a:prstGeom>
+          <a:ln w="57150">
+            <a:solidFill>
+              <a:srgbClr val="000000"/>
+            </a:solidFill>
+            <a:miter lim="400000"/>
+            <a:tailEnd type="triangle"/>
+          </a:ln>
+        </p:spPr>
+        <p:txBody>
+          <a:bodyPr lIns="50800" tIns="50800" rIns="50800" bIns="50800" anchor="ctr"/>
+          <a:lstStyle/>
+          <a:p>
+            <a:endParaRPr sz="2500"/>
+          </a:p>
+        </p:txBody>
+      </p:sp>
+      <p:cxnSp>
+        <p:nvCxnSpPr>
+          <p:cNvPr id="31" name="Straight Connector 30">
+            <a:extLst>
+              <a:ext uri="{FF2B5EF4-FFF2-40B4-BE49-F238E27FC236}">
+                <a16:creationId xmlns:a16="http://schemas.microsoft.com/office/drawing/2014/main" id="{20D0BC9F-4B33-1266-1C68-F7ED5699BC57}"/>
+              </a:ext>
+            </a:extLst>
+          </p:cNvPr>
+          <p:cNvCxnSpPr>
+            <a:cxnSpLocks/>
+          </p:cNvCxnSpPr>
+          <p:nvPr/>
+        </p:nvCxnSpPr>
+        <p:spPr>
+          <a:xfrm flipH="1">
+            <a:off x="6950495" y="8344949"/>
+            <a:ext cx="164681" cy="0"/>
+          </a:xfrm>
+          <a:prstGeom prst="line">
+            <a:avLst/>
+          </a:prstGeom>
+          <a:noFill/>
+          <a:ln w="57150" cap="flat">
+            <a:solidFill>
+              <a:srgbClr val="000000"/>
+            </a:solidFill>
+            <a:prstDash val="solid"/>
+            <a:miter lim="400000"/>
+          </a:ln>
+          <a:effectLst/>
+          <a:sp3d/>
+        </p:spPr>
+        <p:style>
+          <a:lnRef idx="0">
+            <a:scrgbClr r="0" g="0" b="0"/>
+          </a:lnRef>
+          <a:fillRef idx="0">
+            <a:scrgbClr r="0" g="0" b="0"/>
+          </a:fillRef>
+          <a:effectRef idx="0">
+            <a:scrgbClr r="0" g="0" b="0"/>
+          </a:effectRef>
+          <a:fontRef idx="none"/>
+        </p:style>
+      </p:cxnSp>
+      <p:sp>
+        <p:nvSpPr>
+          <p:cNvPr id="48" name="Line">
+            <a:extLst>
+              <a:ext uri="{FF2B5EF4-FFF2-40B4-BE49-F238E27FC236}">
+                <a16:creationId xmlns:a16="http://schemas.microsoft.com/office/drawing/2014/main" id="{73D07C60-C949-9400-1723-4203ECF9A6E7}"/>
+              </a:ext>
+            </a:extLst>
+          </p:cNvPr>
+          <p:cNvSpPr/>
+          <p:nvPr/>
+        </p:nvSpPr>
+        <p:spPr>
+          <a:xfrm flipH="1">
+            <a:off x="9582504" y="7750843"/>
+            <a:ext cx="329957" cy="0"/>
+          </a:xfrm>
+          <a:prstGeom prst="line">
+            <a:avLst/>
+          </a:prstGeom>
+          <a:ln w="57150">
+            <a:solidFill>
+              <a:srgbClr val="000000"/>
+            </a:solidFill>
+            <a:miter lim="400000"/>
+            <a:tailEnd type="triangle"/>
+          </a:ln>
+        </p:spPr>
+        <p:txBody>
+          <a:bodyPr lIns="50800" tIns="50800" rIns="50800" bIns="50800" anchor="ctr"/>
+          <a:lstStyle/>
+          <a:p>
+            <a:endParaRPr sz="2500"/>
+          </a:p>
+        </p:txBody>
+      </p:sp>
+      <p:sp>
+        <p:nvSpPr>
+          <p:cNvPr id="49" name="Line">
+            <a:extLst>
+              <a:ext uri="{FF2B5EF4-FFF2-40B4-BE49-F238E27FC236}">
+                <a16:creationId xmlns:a16="http://schemas.microsoft.com/office/drawing/2014/main" id="{38BD6A5A-C358-C668-4CAD-9232521FADE5}"/>
+              </a:ext>
+            </a:extLst>
+          </p:cNvPr>
+          <p:cNvSpPr/>
+          <p:nvPr/>
+        </p:nvSpPr>
+        <p:spPr>
+          <a:xfrm flipH="1">
+            <a:off x="9582503" y="9224752"/>
+            <a:ext cx="329955" cy="3500"/>
+          </a:xfrm>
+          <a:prstGeom prst="line">
+            <a:avLst/>
+          </a:prstGeom>
+          <a:ln w="57150">
+            <a:solidFill>
+              <a:srgbClr val="000000"/>
+            </a:solidFill>
+            <a:miter lim="400000"/>
+            <a:tailEnd type="triangle"/>
+          </a:ln>
+        </p:spPr>
+        <p:txBody>
+          <a:bodyPr lIns="50800" tIns="50800" rIns="50800" bIns="50800" anchor="ctr"/>
+          <a:lstStyle/>
+          <a:p>
+            <a:endParaRPr sz="2500"/>
+          </a:p>
+        </p:txBody>
+      </p:sp>
+      <p:cxnSp>
+        <p:nvCxnSpPr>
+          <p:cNvPr id="50" name="Straight Connector 49">
+            <a:extLst>
+              <a:ext uri="{FF2B5EF4-FFF2-40B4-BE49-F238E27FC236}">
+                <a16:creationId xmlns:a16="http://schemas.microsoft.com/office/drawing/2014/main" id="{DC66E1FF-FC6C-7D8E-700F-B5DF4A63871B}"/>
+              </a:ext>
+            </a:extLst>
+          </p:cNvPr>
+          <p:cNvCxnSpPr>
+            <a:cxnSpLocks/>
+          </p:cNvCxnSpPr>
+          <p:nvPr/>
+        </p:nvCxnSpPr>
+        <p:spPr>
+          <a:xfrm flipH="1">
+            <a:off x="9892895" y="7750843"/>
+            <a:ext cx="0" cy="1499513"/>
+          </a:xfrm>
+          <a:prstGeom prst="line">
+            <a:avLst/>
+          </a:prstGeom>
+          <a:noFill/>
+          <a:ln w="57150" cap="flat">
+            <a:solidFill>
+              <a:srgbClr val="000000"/>
+            </a:solidFill>
+            <a:prstDash val="solid"/>
+            <a:miter lim="400000"/>
+          </a:ln>
+          <a:effectLst/>
+          <a:sp3d/>
+        </p:spPr>
+        <p:style>
+          <a:lnRef idx="0">
+            <a:scrgbClr r="0" g="0" b="0"/>
+          </a:lnRef>
+          <a:fillRef idx="0">
+            <a:scrgbClr r="0" g="0" b="0"/>
+          </a:fillRef>
+          <a:effectRef idx="0">
+            <a:scrgbClr r="0" g="0" b="0"/>
+          </a:effectRef>
+          <a:fontRef idx="none"/>
+        </p:style>
+      </p:cxnSp>
+      <p:cxnSp>
+        <p:nvCxnSpPr>
+          <p:cNvPr id="51" name="Straight Connector 50">
+            <a:extLst>
+              <a:ext uri="{FF2B5EF4-FFF2-40B4-BE49-F238E27FC236}">
+                <a16:creationId xmlns:a16="http://schemas.microsoft.com/office/drawing/2014/main" id="{C42AEDD8-15BA-0F53-11F8-82D9F99F1418}"/>
+              </a:ext>
+            </a:extLst>
+          </p:cNvPr>
+          <p:cNvCxnSpPr>
+            <a:cxnSpLocks/>
+            <a:endCxn id="36" idx="1"/>
+          </p:cNvCxnSpPr>
+          <p:nvPr/>
+        </p:nvCxnSpPr>
+        <p:spPr>
+          <a:xfrm>
+            <a:off x="9915309" y="8279508"/>
+            <a:ext cx="133670" cy="0"/>
+          </a:xfrm>
+          <a:prstGeom prst="line">
+            <a:avLst/>
+          </a:prstGeom>
+          <a:noFill/>
+          <a:ln w="57150" cap="flat">
+            <a:solidFill>
+              <a:srgbClr val="000000"/>
+            </a:solidFill>
+            <a:prstDash val="solid"/>
+            <a:miter lim="400000"/>
+          </a:ln>
+          <a:effectLst/>
+          <a:sp3d/>
+        </p:spPr>
+        <p:style>
+          <a:lnRef idx="0">
+            <a:scrgbClr r="0" g="0" b="0"/>
+          </a:lnRef>
+          <a:fillRef idx="0">
+            <a:scrgbClr r="0" g="0" b="0"/>
+          </a:fillRef>
+          <a:effectRef idx="0">
+            <a:scrgbClr r="0" g="0" b="0"/>
+          </a:effectRef>
+          <a:fontRef idx="none"/>
+        </p:style>
+      </p:cxnSp>
+      <p:cxnSp>
+        <p:nvCxnSpPr>
+          <p:cNvPr id="54" name="Straight Connector 53">
+            <a:extLst>
+              <a:ext uri="{FF2B5EF4-FFF2-40B4-BE49-F238E27FC236}">
+                <a16:creationId xmlns:a16="http://schemas.microsoft.com/office/drawing/2014/main" id="{C9C79AF6-1DE0-500F-8C36-5D982515153D}"/>
+              </a:ext>
+            </a:extLst>
+          </p:cNvPr>
+          <p:cNvCxnSpPr/>
+          <p:nvPr/>
+        </p:nvCxnSpPr>
+        <p:spPr>
+          <a:xfrm flipV="1">
+            <a:off x="23635686" y="7476135"/>
+            <a:ext cx="0" cy="1269829"/>
+          </a:xfrm>
+          <a:prstGeom prst="line">
+            <a:avLst/>
+          </a:prstGeom>
+          <a:noFill/>
+          <a:ln w="76200" cap="flat">
+            <a:solidFill>
+              <a:srgbClr val="000000"/>
+            </a:solidFill>
+            <a:prstDash val="solid"/>
+            <a:miter lim="400000"/>
+          </a:ln>
+          <a:effectLst/>
+          <a:sp3d/>
+        </p:spPr>
+        <p:style>
+          <a:lnRef idx="0">
+            <a:scrgbClr r="0" g="0" b="0"/>
+          </a:lnRef>
+          <a:fillRef idx="0">
+            <a:scrgbClr r="0" g="0" b="0"/>
+          </a:fillRef>
+          <a:effectRef idx="0">
+            <a:scrgbClr r="0" g="0" b="0"/>
+          </a:effectRef>
+          <a:fontRef idx="none"/>
+        </p:style>
+      </p:cxnSp>
+      <p:sp>
+        <p:nvSpPr>
+          <p:cNvPr id="55" name="Line">
+            <a:extLst>
+              <a:ext uri="{FF2B5EF4-FFF2-40B4-BE49-F238E27FC236}">
+                <a16:creationId xmlns:a16="http://schemas.microsoft.com/office/drawing/2014/main" id="{AF7FFE20-B2AF-2362-FFF7-A0FA76569D89}"/>
+              </a:ext>
+            </a:extLst>
+          </p:cNvPr>
+          <p:cNvSpPr/>
+          <p:nvPr/>
+        </p:nvSpPr>
+        <p:spPr>
+          <a:xfrm flipH="1">
+            <a:off x="9135568" y="3818503"/>
+            <a:ext cx="1048037" cy="431784"/>
+          </a:xfrm>
+          <a:prstGeom prst="line">
+            <a:avLst/>
+          </a:prstGeom>
+          <a:ln w="57150">
+            <a:solidFill>
+              <a:srgbClr val="000000"/>
+            </a:solidFill>
+            <a:prstDash val="sysDot"/>
+            <a:miter lim="400000"/>
+            <a:tailEnd type="triangle"/>
+          </a:ln>
+        </p:spPr>
+        <p:txBody>
+          <a:bodyPr lIns="50800" tIns="50800" rIns="50800" bIns="50800" anchor="ctr"/>
+          <a:lstStyle/>
+          <a:p>
             <a:endParaRPr sz="2500"/>
           </a:p>
         </p:txBody>
